--- a/報告/第9組 - 簡報 - 莫舒巴頓.pptx
+++ b/報告/第9組 - 簡報 - 莫舒巴頓.pptx
@@ -6,6 +6,11 @@
   </p:sldMasterIdLst>
   <p:sldIdLst>
     <p:sldId id="256" r:id="rId2"/>
+    <p:sldId id="257" r:id="rId3"/>
+    <p:sldId id="258" r:id="rId4"/>
+    <p:sldId id="259" r:id="rId5"/>
+    <p:sldId id="260" r:id="rId6"/>
+    <p:sldId id="261" r:id="rId7"/>
   </p:sldIdLst>
   <p:sldSz cx="12192000" cy="6858000"/>
   <p:notesSz cx="6858000" cy="9144000"/>
@@ -104,7 +109,20 @@
       </a:defRPr>
     </a:lvl9pPr>
   </p:defaultTextStyle>
+  <p:extLst>
+    <p:ext uri="{EFAFB233-063F-42B5-8137-9DF3F51BA10A}">
+      <p15:sldGuideLst xmlns:p15="http://schemas.microsoft.com/office/powerpoint/2012/main"/>
+    </p:ext>
+  </p:extLst>
 </p:presentation>
+</file>
+
+<file path=ppt/revisionInfo.xml><?xml version="1.0" encoding="utf-8"?>
+<p1510:revInfo xmlns:a="http://schemas.openxmlformats.org/drawingml/2006/main" xmlns:r="http://schemas.openxmlformats.org/officeDocument/2006/relationships" xmlns:p1510="http://schemas.microsoft.com/office/powerpoint/2015/10/main">
+  <p1510:revLst>
+    <p1510:client id="{5F4D0EF9-7E92-4CDE-850E-02D153097F57}" v="373" dt="2022-06-07T13:36:58.536"/>
+  </p1510:revLst>
+</p1510:revInfo>
 </file>
 
 <file path=ppt/changesInfos/changesInfo1.xml><?xml version="1.0" encoding="utf-8"?>
@@ -122,6 +140,192 @@
           <pc:docMk/>
           <pc:sldMk cId="3102820361" sldId="256"/>
         </pc:sldMkLst>
+      </pc:sldChg>
+    </pc:docChg>
+  </pc:docChgLst>
+  <pc:docChgLst>
+    <pc:chgData name="黃 存謙" userId="13f9e1a9b1b74094" providerId="Windows Live" clId="Web-{5F4D0EF9-7E92-4CDE-850E-02D153097F57}"/>
+    <pc:docChg chg="addSld delSld modSld">
+      <pc:chgData name="黃 存謙" userId="13f9e1a9b1b74094" providerId="Windows Live" clId="Web-{5F4D0EF9-7E92-4CDE-850E-02D153097F57}" dt="2022-06-07T13:36:58.536" v="369" actId="20577"/>
+      <pc:docMkLst>
+        <pc:docMk/>
+      </pc:docMkLst>
+      <pc:sldChg chg="modSp">
+        <pc:chgData name="黃 存謙" userId="13f9e1a9b1b74094" providerId="Windows Live" clId="Web-{5F4D0EF9-7E92-4CDE-850E-02D153097F57}" dt="2022-06-07T12:02:11.335" v="40" actId="20577"/>
+        <pc:sldMkLst>
+          <pc:docMk/>
+          <pc:sldMk cId="3102820361" sldId="256"/>
+        </pc:sldMkLst>
+        <pc:spChg chg="mod">
+          <ac:chgData name="黃 存謙" userId="13f9e1a9b1b74094" providerId="Windows Live" clId="Web-{5F4D0EF9-7E92-4CDE-850E-02D153097F57}" dt="2022-06-07T12:00:57.661" v="4" actId="20577"/>
+          <ac:spMkLst>
+            <pc:docMk/>
+            <pc:sldMk cId="3102820361" sldId="256"/>
+            <ac:spMk id="2" creationId="{DAD98B49-672C-0C27-13A1-580C20C1A0B5}"/>
+          </ac:spMkLst>
+        </pc:spChg>
+        <pc:spChg chg="mod">
+          <ac:chgData name="黃 存謙" userId="13f9e1a9b1b74094" providerId="Windows Live" clId="Web-{5F4D0EF9-7E92-4CDE-850E-02D153097F57}" dt="2022-06-07T12:02:11.335" v="40" actId="20577"/>
+          <ac:spMkLst>
+            <pc:docMk/>
+            <pc:sldMk cId="3102820361" sldId="256"/>
+            <ac:spMk id="3" creationId="{A479A651-778A-74DE-6500-6AFE26E0A8B7}"/>
+          </ac:spMkLst>
+        </pc:spChg>
+      </pc:sldChg>
+      <pc:sldChg chg="modSp new">
+        <pc:chgData name="黃 存謙" userId="13f9e1a9b1b74094" providerId="Windows Live" clId="Web-{5F4D0EF9-7E92-4CDE-850E-02D153097F57}" dt="2022-06-07T12:04:01.571" v="53" actId="20577"/>
+        <pc:sldMkLst>
+          <pc:docMk/>
+          <pc:sldMk cId="3955470007" sldId="257"/>
+        </pc:sldMkLst>
+        <pc:spChg chg="mod">
+          <ac:chgData name="黃 存謙" userId="13f9e1a9b1b74094" providerId="Windows Live" clId="Web-{5F4D0EF9-7E92-4CDE-850E-02D153097F57}" dt="2022-06-07T12:03:38.383" v="51" actId="20577"/>
+          <ac:spMkLst>
+            <pc:docMk/>
+            <pc:sldMk cId="3955470007" sldId="257"/>
+            <ac:spMk id="2" creationId="{2DF8EF4A-5FCF-15DD-139E-A5309C8E3ECE}"/>
+          </ac:spMkLst>
+        </pc:spChg>
+        <pc:spChg chg="mod">
+          <ac:chgData name="黃 存謙" userId="13f9e1a9b1b74094" providerId="Windows Live" clId="Web-{5F4D0EF9-7E92-4CDE-850E-02D153097F57}" dt="2022-06-07T12:04:01.571" v="53" actId="20577"/>
+          <ac:spMkLst>
+            <pc:docMk/>
+            <pc:sldMk cId="3955470007" sldId="257"/>
+            <ac:spMk id="3" creationId="{CD73E602-D37D-9092-BD35-8ADF900CBD7D}"/>
+          </ac:spMkLst>
+        </pc:spChg>
+      </pc:sldChg>
+      <pc:sldChg chg="new del">
+        <pc:chgData name="黃 存謙" userId="13f9e1a9b1b74094" providerId="Windows Live" clId="Web-{5F4D0EF9-7E92-4CDE-850E-02D153097F57}" dt="2022-06-07T12:04:35.103" v="55"/>
+        <pc:sldMkLst>
+          <pc:docMk/>
+          <pc:sldMk cId="1149530557" sldId="258"/>
+        </pc:sldMkLst>
+      </pc:sldChg>
+      <pc:sldChg chg="modSp new">
+        <pc:chgData name="黃 存謙" userId="13f9e1a9b1b74094" providerId="Windows Live" clId="Web-{5F4D0EF9-7E92-4CDE-850E-02D153097F57}" dt="2022-06-07T12:09:13.077" v="150" actId="20577"/>
+        <pc:sldMkLst>
+          <pc:docMk/>
+          <pc:sldMk cId="1720878925" sldId="258"/>
+        </pc:sldMkLst>
+        <pc:spChg chg="mod">
+          <ac:chgData name="黃 存謙" userId="13f9e1a9b1b74094" providerId="Windows Live" clId="Web-{5F4D0EF9-7E92-4CDE-850E-02D153097F57}" dt="2022-06-07T12:04:43.666" v="58" actId="20577"/>
+          <ac:spMkLst>
+            <pc:docMk/>
+            <pc:sldMk cId="1720878925" sldId="258"/>
+            <ac:spMk id="2" creationId="{BCE45F5E-7E1F-245F-FC02-72D131563B8D}"/>
+          </ac:spMkLst>
+        </pc:spChg>
+        <pc:spChg chg="mod">
+          <ac:chgData name="黃 存謙" userId="13f9e1a9b1b74094" providerId="Windows Live" clId="Web-{5F4D0EF9-7E92-4CDE-850E-02D153097F57}" dt="2022-06-07T12:09:13.077" v="150" actId="20577"/>
+          <ac:spMkLst>
+            <pc:docMk/>
+            <pc:sldMk cId="1720878925" sldId="258"/>
+            <ac:spMk id="3" creationId="{498E14BA-65B6-6585-3C87-9D2BB4C7CB5E}"/>
+          </ac:spMkLst>
+        </pc:spChg>
+      </pc:sldChg>
+      <pc:sldChg chg="addSp modSp new">
+        <pc:chgData name="黃 存謙" userId="13f9e1a9b1b74094" providerId="Windows Live" clId="Web-{5F4D0EF9-7E92-4CDE-850E-02D153097F57}" dt="2022-06-07T12:16:50.492" v="263" actId="1076"/>
+        <pc:sldMkLst>
+          <pc:docMk/>
+          <pc:sldMk cId="2102664309" sldId="259"/>
+        </pc:sldMkLst>
+        <pc:spChg chg="mod">
+          <ac:chgData name="黃 存謙" userId="13f9e1a9b1b74094" providerId="Windows Live" clId="Web-{5F4D0EF9-7E92-4CDE-850E-02D153097F57}" dt="2022-06-07T12:11:56.315" v="195" actId="20577"/>
+          <ac:spMkLst>
+            <pc:docMk/>
+            <pc:sldMk cId="2102664309" sldId="259"/>
+            <ac:spMk id="2" creationId="{6D1C8980-DCA0-ADAE-CE61-29B03A6B1B46}"/>
+          </ac:spMkLst>
+        </pc:spChg>
+        <pc:spChg chg="mod">
+          <ac:chgData name="黃 存謙" userId="13f9e1a9b1b74094" providerId="Windows Live" clId="Web-{5F4D0EF9-7E92-4CDE-850E-02D153097F57}" dt="2022-06-07T12:13:12.004" v="238" actId="20577"/>
+          <ac:spMkLst>
+            <pc:docMk/>
+            <pc:sldMk cId="2102664309" sldId="259"/>
+            <ac:spMk id="3" creationId="{D2FB706B-68DD-AA2B-AE71-E84A6038AC39}"/>
+          </ac:spMkLst>
+        </pc:spChg>
+        <pc:picChg chg="add mod">
+          <ac:chgData name="黃 存謙" userId="13f9e1a9b1b74094" providerId="Windows Live" clId="Web-{5F4D0EF9-7E92-4CDE-850E-02D153097F57}" dt="2022-06-07T12:16:27.570" v="258" actId="1076"/>
+          <ac:picMkLst>
+            <pc:docMk/>
+            <pc:sldMk cId="2102664309" sldId="259"/>
+            <ac:picMk id="4" creationId="{5536FC00-F28E-8F52-E032-1C9DA4BCFF91}"/>
+          </ac:picMkLst>
+        </pc:picChg>
+        <pc:picChg chg="add mod">
+          <ac:chgData name="黃 存謙" userId="13f9e1a9b1b74094" providerId="Windows Live" clId="Web-{5F4D0EF9-7E92-4CDE-850E-02D153097F57}" dt="2022-06-07T12:16:24.570" v="257" actId="1076"/>
+          <ac:picMkLst>
+            <pc:docMk/>
+            <pc:sldMk cId="2102664309" sldId="259"/>
+            <ac:picMk id="5" creationId="{805F71EF-CF3C-2F4D-C321-6DD4822DE7CF}"/>
+          </ac:picMkLst>
+        </pc:picChg>
+        <pc:picChg chg="add mod">
+          <ac:chgData name="黃 存謙" userId="13f9e1a9b1b74094" providerId="Windows Live" clId="Web-{5F4D0EF9-7E92-4CDE-850E-02D153097F57}" dt="2022-06-07T12:16:21.476" v="256" actId="1076"/>
+          <ac:picMkLst>
+            <pc:docMk/>
+            <pc:sldMk cId="2102664309" sldId="259"/>
+            <ac:picMk id="6" creationId="{49E2F913-B7DB-C510-FA32-0810AD37BBD4}"/>
+          </ac:picMkLst>
+        </pc:picChg>
+        <pc:picChg chg="add mod">
+          <ac:chgData name="黃 存謙" userId="13f9e1a9b1b74094" providerId="Windows Live" clId="Web-{5F4D0EF9-7E92-4CDE-850E-02D153097F57}" dt="2022-06-07T12:16:48.430" v="262" actId="1076"/>
+          <ac:picMkLst>
+            <pc:docMk/>
+            <pc:sldMk cId="2102664309" sldId="259"/>
+            <ac:picMk id="7" creationId="{D3A95038-C1B9-59CE-8B7D-3B04C03FB53D}"/>
+          </ac:picMkLst>
+        </pc:picChg>
+        <pc:picChg chg="add mod">
+          <ac:chgData name="黃 存謙" userId="13f9e1a9b1b74094" providerId="Windows Live" clId="Web-{5F4D0EF9-7E92-4CDE-850E-02D153097F57}" dt="2022-06-07T12:16:50.492" v="263" actId="1076"/>
+          <ac:picMkLst>
+            <pc:docMk/>
+            <pc:sldMk cId="2102664309" sldId="259"/>
+            <ac:picMk id="8" creationId="{9CE74AB0-1834-AAEE-AEB3-B4E3E4A74DCA}"/>
+          </ac:picMkLst>
+        </pc:picChg>
+      </pc:sldChg>
+      <pc:sldChg chg="modSp new">
+        <pc:chgData name="黃 存謙" userId="13f9e1a9b1b74094" providerId="Windows Live" clId="Web-{5F4D0EF9-7E92-4CDE-850E-02D153097F57}" dt="2022-06-07T12:21:31.576" v="360" actId="20577"/>
+        <pc:sldMkLst>
+          <pc:docMk/>
+          <pc:sldMk cId="3736106716" sldId="260"/>
+        </pc:sldMkLst>
+        <pc:spChg chg="mod">
+          <ac:chgData name="黃 存謙" userId="13f9e1a9b1b74094" providerId="Windows Live" clId="Web-{5F4D0EF9-7E92-4CDE-850E-02D153097F57}" dt="2022-06-07T12:17:52.587" v="291" actId="20577"/>
+          <ac:spMkLst>
+            <pc:docMk/>
+            <pc:sldMk cId="3736106716" sldId="260"/>
+            <ac:spMk id="2" creationId="{6F264B9B-A878-C86D-7523-A8A0CE9D5FAF}"/>
+          </ac:spMkLst>
+        </pc:spChg>
+        <pc:spChg chg="mod">
+          <ac:chgData name="黃 存謙" userId="13f9e1a9b1b74094" providerId="Windows Live" clId="Web-{5F4D0EF9-7E92-4CDE-850E-02D153097F57}" dt="2022-06-07T12:21:31.576" v="360" actId="20577"/>
+          <ac:spMkLst>
+            <pc:docMk/>
+            <pc:sldMk cId="3736106716" sldId="260"/>
+            <ac:spMk id="3" creationId="{21354DCF-04AB-C712-D87C-87C79F048C68}"/>
+          </ac:spMkLst>
+        </pc:spChg>
+      </pc:sldChg>
+      <pc:sldChg chg="modSp new">
+        <pc:chgData name="黃 存謙" userId="13f9e1a9b1b74094" providerId="Windows Live" clId="Web-{5F4D0EF9-7E92-4CDE-850E-02D153097F57}" dt="2022-06-07T13:36:58.536" v="369" actId="20577"/>
+        <pc:sldMkLst>
+          <pc:docMk/>
+          <pc:sldMk cId="3043481779" sldId="261"/>
+        </pc:sldMkLst>
+        <pc:spChg chg="mod">
+          <ac:chgData name="黃 存謙" userId="13f9e1a9b1b74094" providerId="Windows Live" clId="Web-{5F4D0EF9-7E92-4CDE-850E-02D153097F57}" dt="2022-06-07T13:36:58.536" v="369" actId="20577"/>
+          <ac:spMkLst>
+            <pc:docMk/>
+            <pc:sldMk cId="3043481779" sldId="261"/>
+            <ac:spMk id="2" creationId="{5FB5276E-B2DB-EE35-A0BF-0818E5F3F000}"/>
+          </ac:spMkLst>
+        </pc:spChg>
       </pc:sldChg>
     </pc:docChg>
   </pc:docChgLst>
@@ -275,7 +479,7 @@
           <a:p>
             <a:fld id="{E2476B9C-6C20-4A23-A898-76FA1D3430DD}" type="datetimeFigureOut">
               <a:rPr lang="zh-TW" altLang="en-US" smtClean="0"/>
-              <a:t>2022/6/1</a:t>
+              <a:t>2022/6/7</a:t>
             </a:fld>
             <a:endParaRPr lang="zh-TW" altLang="en-US"/>
           </a:p>
@@ -473,7 +677,7 @@
           <a:p>
             <a:fld id="{E2476B9C-6C20-4A23-A898-76FA1D3430DD}" type="datetimeFigureOut">
               <a:rPr lang="zh-TW" altLang="en-US" smtClean="0"/>
-              <a:t>2022/6/1</a:t>
+              <a:t>2022/6/7</a:t>
             </a:fld>
             <a:endParaRPr lang="zh-TW" altLang="en-US"/>
           </a:p>
@@ -681,7 +885,7 @@
           <a:p>
             <a:fld id="{E2476B9C-6C20-4A23-A898-76FA1D3430DD}" type="datetimeFigureOut">
               <a:rPr lang="zh-TW" altLang="en-US" smtClean="0"/>
-              <a:t>2022/6/1</a:t>
+              <a:t>2022/6/7</a:t>
             </a:fld>
             <a:endParaRPr lang="zh-TW" altLang="en-US"/>
           </a:p>
@@ -879,7 +1083,7 @@
           <a:p>
             <a:fld id="{E2476B9C-6C20-4A23-A898-76FA1D3430DD}" type="datetimeFigureOut">
               <a:rPr lang="zh-TW" altLang="en-US" smtClean="0"/>
-              <a:t>2022/6/1</a:t>
+              <a:t>2022/6/7</a:t>
             </a:fld>
             <a:endParaRPr lang="zh-TW" altLang="en-US"/>
           </a:p>
@@ -1154,7 +1358,7 @@
           <a:p>
             <a:fld id="{E2476B9C-6C20-4A23-A898-76FA1D3430DD}" type="datetimeFigureOut">
               <a:rPr lang="zh-TW" altLang="en-US" smtClean="0"/>
-              <a:t>2022/6/1</a:t>
+              <a:t>2022/6/7</a:t>
             </a:fld>
             <a:endParaRPr lang="zh-TW" altLang="en-US"/>
           </a:p>
@@ -1419,7 +1623,7 @@
           <a:p>
             <a:fld id="{E2476B9C-6C20-4A23-A898-76FA1D3430DD}" type="datetimeFigureOut">
               <a:rPr lang="zh-TW" altLang="en-US" smtClean="0"/>
-              <a:t>2022/6/1</a:t>
+              <a:t>2022/6/7</a:t>
             </a:fld>
             <a:endParaRPr lang="zh-TW" altLang="en-US"/>
           </a:p>
@@ -1831,7 +2035,7 @@
           <a:p>
             <a:fld id="{E2476B9C-6C20-4A23-A898-76FA1D3430DD}" type="datetimeFigureOut">
               <a:rPr lang="zh-TW" altLang="en-US" smtClean="0"/>
-              <a:t>2022/6/1</a:t>
+              <a:t>2022/6/7</a:t>
             </a:fld>
             <a:endParaRPr lang="zh-TW" altLang="en-US"/>
           </a:p>
@@ -1972,7 +2176,7 @@
           <a:p>
             <a:fld id="{E2476B9C-6C20-4A23-A898-76FA1D3430DD}" type="datetimeFigureOut">
               <a:rPr lang="zh-TW" altLang="en-US" smtClean="0"/>
-              <a:t>2022/6/1</a:t>
+              <a:t>2022/6/7</a:t>
             </a:fld>
             <a:endParaRPr lang="zh-TW" altLang="en-US"/>
           </a:p>
@@ -2085,7 +2289,7 @@
           <a:p>
             <a:fld id="{E2476B9C-6C20-4A23-A898-76FA1D3430DD}" type="datetimeFigureOut">
               <a:rPr lang="zh-TW" altLang="en-US" smtClean="0"/>
-              <a:t>2022/6/1</a:t>
+              <a:t>2022/6/7</a:t>
             </a:fld>
             <a:endParaRPr lang="zh-TW" altLang="en-US"/>
           </a:p>
@@ -2396,7 +2600,7 @@
           <a:p>
             <a:fld id="{E2476B9C-6C20-4A23-A898-76FA1D3430DD}" type="datetimeFigureOut">
               <a:rPr lang="zh-TW" altLang="en-US" smtClean="0"/>
-              <a:t>2022/6/1</a:t>
+              <a:t>2022/6/7</a:t>
             </a:fld>
             <a:endParaRPr lang="zh-TW" altLang="en-US"/>
           </a:p>
@@ -2684,7 +2888,7 @@
           <a:p>
             <a:fld id="{E2476B9C-6C20-4A23-A898-76FA1D3430DD}" type="datetimeFigureOut">
               <a:rPr lang="zh-TW" altLang="en-US" smtClean="0"/>
-              <a:t>2022/6/1</a:t>
+              <a:t>2022/6/7</a:t>
             </a:fld>
             <a:endParaRPr lang="zh-TW" altLang="en-US"/>
           </a:p>
@@ -2925,7 +3129,7 @@
           <a:p>
             <a:fld id="{E2476B9C-6C20-4A23-A898-76FA1D3430DD}" type="datetimeFigureOut">
               <a:rPr lang="zh-TW" altLang="en-US" smtClean="0"/>
-              <a:t>2022/6/1</a:t>
+              <a:t>2022/6/7</a:t>
             </a:fld>
             <a:endParaRPr lang="zh-TW" altLang="en-US"/>
           </a:p>
@@ -3363,6 +3567,13 @@
           <a:bodyPr/>
           <a:lstStyle/>
           <a:p>
+            <a:r>
+              <a:rPr lang="zh-TW" altLang="en-US">
+                <a:ea typeface="新細明體"/>
+                <a:cs typeface="Calibri Light"/>
+              </a:rPr>
+              <a:t>資訊報告 第九組</a:t>
+            </a:r>
             <a:endParaRPr lang="zh-TW" altLang="en-US"/>
           </a:p>
         </p:txBody>
@@ -3385,10 +3596,41 @@
         </p:nvSpPr>
         <p:spPr/>
         <p:txBody>
-          <a:bodyPr/>
-          <a:lstStyle/>
-          <a:p>
-            <a:endParaRPr lang="zh-TW" altLang="en-US"/>
+          <a:bodyPr vert="horz" lIns="91440" tIns="45720" rIns="91440" bIns="45720" rtlCol="0" anchor="t">
+            <a:normAutofit/>
+          </a:bodyPr>
+          <a:lstStyle/>
+          <a:p>
+            <a:r>
+              <a:rPr lang="zh-TW" altLang="en-US">
+                <a:ea typeface="新細明體"/>
+                <a:cs typeface="Calibri"/>
+              </a:rPr>
+              <a:t>10525邵恆侑</a:t>
+            </a:r>
+            <a:endParaRPr lang="zh-TW" altLang="en-US">
+              <a:ea typeface="新細明體" panose="02020500000000000000" pitchFamily="18" charset="-120"/>
+              <a:cs typeface="Calibri"/>
+            </a:endParaRPr>
+          </a:p>
+          <a:p>
+            <a:r>
+              <a:rPr lang="zh-TW" altLang="en-US">
+                <a:ea typeface="新細明體"/>
+                <a:cs typeface="Calibri"/>
+              </a:rPr>
+              <a:t>10527陳晞恩</a:t>
+            </a:r>
+          </a:p>
+          <a:p>
+            <a:r>
+              <a:rPr lang="zh-TW" altLang="en-US">
+                <a:ea typeface="新細明體"/>
+                <a:cs typeface="Calibri"/>
+              </a:rPr>
+              <a:t>10529黃存謙</a:t>
+            </a:r>
+            <a:endParaRPr lang="zh-TW"/>
           </a:p>
         </p:txBody>
       </p:sp>
@@ -3396,6 +3638,749 @@
     <p:extLst>
       <p:ext uri="{BB962C8B-B14F-4D97-AF65-F5344CB8AC3E}">
         <p14:creationId xmlns:p14="http://schemas.microsoft.com/office/powerpoint/2010/main" val="3102820361"/>
+      </p:ext>
+    </p:extLst>
+  </p:cSld>
+  <p:clrMapOvr>
+    <a:masterClrMapping/>
+  </p:clrMapOvr>
+</p:sld>
+</file>
+
+<file path=ppt/slides/slide2.xml><?xml version="1.0" encoding="utf-8"?>
+<p:sld xmlns:a="http://schemas.openxmlformats.org/drawingml/2006/main" xmlns:r="http://schemas.openxmlformats.org/officeDocument/2006/relationships" xmlns:p="http://schemas.openxmlformats.org/presentationml/2006/main">
+  <p:cSld>
+    <p:spTree>
+      <p:nvGrpSpPr>
+        <p:cNvPr id="1" name=""/>
+        <p:cNvGrpSpPr/>
+        <p:nvPr/>
+      </p:nvGrpSpPr>
+      <p:grpSpPr>
+        <a:xfrm>
+          <a:off x="0" y="0"/>
+          <a:ext cx="0" cy="0"/>
+          <a:chOff x="0" y="0"/>
+          <a:chExt cx="0" cy="0"/>
+        </a:xfrm>
+      </p:grpSpPr>
+      <p:sp>
+        <p:nvSpPr>
+          <p:cNvPr id="2" name="標題 1">
+            <a:extLst>
+              <a:ext uri="{FF2B5EF4-FFF2-40B4-BE49-F238E27FC236}">
+                <a16:creationId xmlns:a16="http://schemas.microsoft.com/office/drawing/2014/main" id="{2DF8EF4A-5FCF-15DD-139E-A5309C8E3ECE}"/>
+              </a:ext>
+            </a:extLst>
+          </p:cNvPr>
+          <p:cNvSpPr>
+            <a:spLocks noGrp="1"/>
+          </p:cNvSpPr>
+          <p:nvPr>
+            <p:ph type="ctrTitle"/>
+          </p:nvPr>
+        </p:nvSpPr>
+        <p:spPr/>
+        <p:txBody>
+          <a:bodyPr/>
+          <a:lstStyle/>
+          <a:p>
+            <a:r>
+              <a:rPr lang="zh-TW">
+                <a:ea typeface="+mj-lt"/>
+                <a:cs typeface="+mj-lt"/>
+              </a:rPr>
+              <a:t>《</a:t>
+            </a:r>
+            <a:r>
+              <a:rPr lang="zh-TW" altLang="en-US">
+                <a:ea typeface="新細明體"/>
+                <a:cs typeface="Calibri Light"/>
+              </a:rPr>
+              <a:t>莫舒巴頓</a:t>
+            </a:r>
+            <a:r>
+              <a:rPr lang="zh-TW">
+                <a:ea typeface="+mj-lt"/>
+                <a:cs typeface="+mj-lt"/>
+              </a:rPr>
+              <a:t>》</a:t>
+            </a:r>
+            <a:endParaRPr lang="zh-TW"/>
+          </a:p>
+        </p:txBody>
+      </p:sp>
+      <p:sp>
+        <p:nvSpPr>
+          <p:cNvPr id="3" name="副標題 2">
+            <a:extLst>
+              <a:ext uri="{FF2B5EF4-FFF2-40B4-BE49-F238E27FC236}">
+                <a16:creationId xmlns:a16="http://schemas.microsoft.com/office/drawing/2014/main" id="{CD73E602-D37D-9092-BD35-8ADF900CBD7D}"/>
+              </a:ext>
+            </a:extLst>
+          </p:cNvPr>
+          <p:cNvSpPr>
+            <a:spLocks noGrp="1"/>
+          </p:cNvSpPr>
+          <p:nvPr>
+            <p:ph type="subTitle" idx="1"/>
+          </p:nvPr>
+        </p:nvSpPr>
+        <p:spPr/>
+        <p:txBody>
+          <a:bodyPr vert="horz" lIns="91440" tIns="45720" rIns="91440" bIns="45720" rtlCol="0" anchor="t">
+            <a:normAutofit/>
+          </a:bodyPr>
+          <a:lstStyle/>
+          <a:p>
+            <a:r>
+              <a:rPr lang="en-US" altLang="zh-TW" dirty="0">
+                <a:ea typeface="+mn-lt"/>
+                <a:cs typeface="+mn-lt"/>
+              </a:rPr>
+              <a:t>Mosche Barton</a:t>
+            </a:r>
+            <a:endParaRPr lang="zh-TW" dirty="0"/>
+          </a:p>
+        </p:txBody>
+      </p:sp>
+    </p:spTree>
+    <p:extLst>
+      <p:ext uri="{BB962C8B-B14F-4D97-AF65-F5344CB8AC3E}">
+        <p14:creationId xmlns:p14="http://schemas.microsoft.com/office/powerpoint/2010/main" val="3955470007"/>
+      </p:ext>
+    </p:extLst>
+  </p:cSld>
+  <p:clrMapOvr>
+    <a:masterClrMapping/>
+  </p:clrMapOvr>
+</p:sld>
+</file>
+
+<file path=ppt/slides/slide3.xml><?xml version="1.0" encoding="utf-8"?>
+<p:sld xmlns:a="http://schemas.openxmlformats.org/drawingml/2006/main" xmlns:r="http://schemas.openxmlformats.org/officeDocument/2006/relationships" xmlns:p="http://schemas.openxmlformats.org/presentationml/2006/main">
+  <p:cSld>
+    <p:spTree>
+      <p:nvGrpSpPr>
+        <p:cNvPr id="1" name=""/>
+        <p:cNvGrpSpPr/>
+        <p:nvPr/>
+      </p:nvGrpSpPr>
+      <p:grpSpPr>
+        <a:xfrm>
+          <a:off x="0" y="0"/>
+          <a:ext cx="0" cy="0"/>
+          <a:chOff x="0" y="0"/>
+          <a:chExt cx="0" cy="0"/>
+        </a:xfrm>
+      </p:grpSpPr>
+      <p:sp>
+        <p:nvSpPr>
+          <p:cNvPr id="2" name="標題 1">
+            <a:extLst>
+              <a:ext uri="{FF2B5EF4-FFF2-40B4-BE49-F238E27FC236}">
+                <a16:creationId xmlns:a16="http://schemas.microsoft.com/office/drawing/2014/main" id="{BCE45F5E-7E1F-245F-FC02-72D131563B8D}"/>
+              </a:ext>
+            </a:extLst>
+          </p:cNvPr>
+          <p:cNvSpPr>
+            <a:spLocks noGrp="1"/>
+          </p:cNvSpPr>
+          <p:nvPr>
+            <p:ph type="title"/>
+          </p:nvPr>
+        </p:nvSpPr>
+        <p:spPr/>
+        <p:txBody>
+          <a:bodyPr/>
+          <a:lstStyle/>
+          <a:p>
+            <a:r>
+              <a:rPr lang="zh-TW" altLang="en-US">
+                <a:ea typeface="新細明體"/>
+                <a:cs typeface="Calibri Light"/>
+              </a:rPr>
+              <a:t>設計理念</a:t>
+            </a:r>
+            <a:endParaRPr lang="zh-TW" altLang="en-US"/>
+          </a:p>
+        </p:txBody>
+      </p:sp>
+      <p:sp>
+        <p:nvSpPr>
+          <p:cNvPr id="3" name="內容版面配置區 2">
+            <a:extLst>
+              <a:ext uri="{FF2B5EF4-FFF2-40B4-BE49-F238E27FC236}">
+                <a16:creationId xmlns:a16="http://schemas.microsoft.com/office/drawing/2014/main" id="{498E14BA-65B6-6585-3C87-9D2BB4C7CB5E}"/>
+              </a:ext>
+            </a:extLst>
+          </p:cNvPr>
+          <p:cNvSpPr>
+            <a:spLocks noGrp="1"/>
+          </p:cNvSpPr>
+          <p:nvPr>
+            <p:ph idx="1"/>
+          </p:nvPr>
+        </p:nvSpPr>
+        <p:spPr/>
+        <p:txBody>
+          <a:bodyPr vert="horz" lIns="91440" tIns="45720" rIns="91440" bIns="45720" rtlCol="0" anchor="t">
+            <a:normAutofit/>
+          </a:bodyPr>
+          <a:lstStyle/>
+          <a:p>
+            <a:r>
+              <a:rPr lang="zh-TW" altLang="en-US">
+                <a:ea typeface="新細明體"/>
+                <a:cs typeface="Calibri"/>
+              </a:rPr>
+              <a:t>「音樂」為貫穿整個遊戲的主題</a:t>
+            </a:r>
+          </a:p>
+          <a:p>
+            <a:r>
+              <a:rPr lang="zh-TW" altLang="en-US">
+                <a:ea typeface="新細明體"/>
+                <a:cs typeface="Calibri"/>
+              </a:rPr>
+              <a:t>「莫舒巴頓」靈感來自於四位作曲家的名字:莫札特、舒伯特、巴哈、海頓</a:t>
+            </a:r>
+          </a:p>
+          <a:p>
+            <a:r>
+              <a:rPr lang="zh-TW" altLang="en-US">
+                <a:ea typeface="新細明體"/>
+                <a:cs typeface="Calibri"/>
+              </a:rPr>
+              <a:t>有些許故事性，背景設定在十七、十八世紀歐洲</a:t>
+            </a:r>
+          </a:p>
+          <a:p>
+            <a:r>
+              <a:rPr lang="zh-TW" altLang="en-US">
+                <a:ea typeface="新細明體"/>
+                <a:cs typeface="Calibri"/>
+              </a:rPr>
+              <a:t>主角為一提琴手</a:t>
+            </a:r>
+          </a:p>
+          <a:p>
+            <a:r>
+              <a:rPr lang="zh-TW" altLang="en-US">
+                <a:ea typeface="新細明體"/>
+                <a:cs typeface="Calibri"/>
+              </a:rPr>
+              <a:t>為打怪類型的遊戲</a:t>
+            </a:r>
+            <a:endParaRPr lang="zh-TW" altLang="en-US" dirty="0">
+              <a:ea typeface="新細明體"/>
+              <a:cs typeface="Calibri"/>
+            </a:endParaRPr>
+          </a:p>
+        </p:txBody>
+      </p:sp>
+    </p:spTree>
+    <p:extLst>
+      <p:ext uri="{BB962C8B-B14F-4D97-AF65-F5344CB8AC3E}">
+        <p14:creationId xmlns:p14="http://schemas.microsoft.com/office/powerpoint/2010/main" val="1720878925"/>
+      </p:ext>
+    </p:extLst>
+  </p:cSld>
+  <p:clrMapOvr>
+    <a:masterClrMapping/>
+  </p:clrMapOvr>
+</p:sld>
+</file>
+
+<file path=ppt/slides/slide4.xml><?xml version="1.0" encoding="utf-8"?>
+<p:sld xmlns:a="http://schemas.openxmlformats.org/drawingml/2006/main" xmlns:r="http://schemas.openxmlformats.org/officeDocument/2006/relationships" xmlns:p="http://schemas.openxmlformats.org/presentationml/2006/main">
+  <p:cSld>
+    <p:spTree>
+      <p:nvGrpSpPr>
+        <p:cNvPr id="1" name=""/>
+        <p:cNvGrpSpPr/>
+        <p:nvPr/>
+      </p:nvGrpSpPr>
+      <p:grpSpPr>
+        <a:xfrm>
+          <a:off x="0" y="0"/>
+          <a:ext cx="0" cy="0"/>
+          <a:chOff x="0" y="0"/>
+          <a:chExt cx="0" cy="0"/>
+        </a:xfrm>
+      </p:grpSpPr>
+      <p:sp>
+        <p:nvSpPr>
+          <p:cNvPr id="2" name="標題 1">
+            <a:extLst>
+              <a:ext uri="{FF2B5EF4-FFF2-40B4-BE49-F238E27FC236}">
+                <a16:creationId xmlns:a16="http://schemas.microsoft.com/office/drawing/2014/main" id="{6D1C8980-DCA0-ADAE-CE61-29B03A6B1B46}"/>
+              </a:ext>
+            </a:extLst>
+          </p:cNvPr>
+          <p:cNvSpPr>
+            <a:spLocks noGrp="1"/>
+          </p:cNvSpPr>
+          <p:nvPr>
+            <p:ph type="title"/>
+          </p:nvPr>
+        </p:nvSpPr>
+        <p:spPr/>
+        <p:txBody>
+          <a:bodyPr/>
+          <a:lstStyle/>
+          <a:p>
+            <a:r>
+              <a:rPr lang="zh-TW">
+                <a:latin typeface="PMingLiU"/>
+                <a:ea typeface="PMingLiU"/>
+                <a:cs typeface="+mj-lt"/>
+              </a:rPr>
+              <a:t>畫面素材製作</a:t>
+            </a:r>
+            <a:endParaRPr lang="zh-TW">
+              <a:latin typeface="PMingLiU"/>
+              <a:ea typeface="PMingLiU"/>
+            </a:endParaRPr>
+          </a:p>
+        </p:txBody>
+      </p:sp>
+      <p:sp>
+        <p:nvSpPr>
+          <p:cNvPr id="3" name="內容版面配置區 2">
+            <a:extLst>
+              <a:ext uri="{FF2B5EF4-FFF2-40B4-BE49-F238E27FC236}">
+                <a16:creationId xmlns:a16="http://schemas.microsoft.com/office/drawing/2014/main" id="{D2FB706B-68DD-AA2B-AE71-E84A6038AC39}"/>
+              </a:ext>
+            </a:extLst>
+          </p:cNvPr>
+          <p:cNvSpPr>
+            <a:spLocks noGrp="1"/>
+          </p:cNvSpPr>
+          <p:nvPr>
+            <p:ph idx="1"/>
+          </p:nvPr>
+        </p:nvSpPr>
+        <p:spPr/>
+        <p:txBody>
+          <a:bodyPr vert="horz" lIns="91440" tIns="45720" rIns="91440" bIns="45720" rtlCol="0" anchor="t">
+            <a:normAutofit/>
+          </a:bodyPr>
+          <a:lstStyle/>
+          <a:p>
+            <a:r>
+              <a:rPr lang="zh-TW">
+                <a:ea typeface="新細明體"/>
+                <a:cs typeface="Calibri"/>
+              </a:rPr>
+              <a:t>除了一開始四位作曲家的肖像，其他皆由組員使</a:t>
+            </a:r>
+            <a:r>
+              <a:rPr lang="zh-TW" altLang="en-US">
+                <a:ea typeface="新細明體"/>
+                <a:cs typeface="Calibri"/>
+              </a:rPr>
+              <a:t>用</a:t>
+            </a:r>
+            <a:r>
+              <a:rPr lang="en-US" altLang="zh-TW" dirty="0">
+                <a:ea typeface="+mn-lt"/>
+                <a:cs typeface="+mn-lt"/>
+              </a:rPr>
+              <a:t>Adobe Illustrator</a:t>
+            </a:r>
+            <a:r>
+              <a:rPr lang="zh-TW">
+                <a:latin typeface="PMingLiU"/>
+                <a:ea typeface="PMingLiU"/>
+                <a:cs typeface="+mn-lt"/>
+              </a:rPr>
+              <a:t>親自繪製</a:t>
+            </a:r>
+          </a:p>
+          <a:p>
+            <a:endParaRPr lang="zh-TW" dirty="0">
+              <a:latin typeface="PMingLiU"/>
+              <a:ea typeface="PMingLiU"/>
+              <a:cs typeface="Calibri"/>
+            </a:endParaRPr>
+          </a:p>
+        </p:txBody>
+      </p:sp>
+      <p:pic>
+        <p:nvPicPr>
+          <p:cNvPr id="4" name="圖片 4" descr="一張含有 玩具, 樂高 的圖片&#10;&#10;自動產生的描述">
+            <a:extLst>
+              <a:ext uri="{FF2B5EF4-FFF2-40B4-BE49-F238E27FC236}">
+                <a16:creationId xmlns:a16="http://schemas.microsoft.com/office/drawing/2014/main" id="{5536FC00-F28E-8F52-E032-1C9DA4BCFF91}"/>
+              </a:ext>
+            </a:extLst>
+          </p:cNvPr>
+          <p:cNvPicPr>
+            <a:picLocks noChangeAspect="1"/>
+          </p:cNvPicPr>
+          <p:nvPr/>
+        </p:nvPicPr>
+        <p:blipFill>
+          <a:blip r:embed="rId2"/>
+          <a:stretch>
+            <a:fillRect/>
+          </a:stretch>
+        </p:blipFill>
+        <p:spPr>
+          <a:xfrm>
+            <a:off x="1901536" y="2778596"/>
+            <a:ext cx="1678132" cy="1543050"/>
+          </a:xfrm>
+          <a:prstGeom prst="rect">
+            <a:avLst/>
+          </a:prstGeom>
+        </p:spPr>
+      </p:pic>
+      <p:pic>
+        <p:nvPicPr>
+          <p:cNvPr id="5" name="圖片 5">
+            <a:extLst>
+              <a:ext uri="{FF2B5EF4-FFF2-40B4-BE49-F238E27FC236}">
+                <a16:creationId xmlns:a16="http://schemas.microsoft.com/office/drawing/2014/main" id="{805F71EF-CF3C-2F4D-C321-6DD4822DE7CF}"/>
+              </a:ext>
+            </a:extLst>
+          </p:cNvPr>
+          <p:cNvPicPr>
+            <a:picLocks noChangeAspect="1"/>
+          </p:cNvPicPr>
+          <p:nvPr/>
+        </p:nvPicPr>
+        <p:blipFill>
+          <a:blip r:embed="rId3"/>
+          <a:stretch>
+            <a:fillRect/>
+          </a:stretch>
+        </p:blipFill>
+        <p:spPr>
+          <a:xfrm>
+            <a:off x="5021766" y="2839209"/>
+            <a:ext cx="2148468" cy="1300387"/>
+          </a:xfrm>
+          <a:prstGeom prst="rect">
+            <a:avLst/>
+          </a:prstGeom>
+        </p:spPr>
+      </p:pic>
+      <p:pic>
+        <p:nvPicPr>
+          <p:cNvPr id="6" name="圖片 6" descr="一張含有 文字 的圖片&#10;&#10;自動產生的描述">
+            <a:extLst>
+              <a:ext uri="{FF2B5EF4-FFF2-40B4-BE49-F238E27FC236}">
+                <a16:creationId xmlns:a16="http://schemas.microsoft.com/office/drawing/2014/main" id="{49E2F913-B7DB-C510-FA32-0810AD37BBD4}"/>
+              </a:ext>
+            </a:extLst>
+          </p:cNvPr>
+          <p:cNvPicPr>
+            <a:picLocks noChangeAspect="1"/>
+          </p:cNvPicPr>
+          <p:nvPr/>
+        </p:nvPicPr>
+        <p:blipFill>
+          <a:blip r:embed="rId4"/>
+          <a:stretch>
+            <a:fillRect/>
+          </a:stretch>
+        </p:blipFill>
+        <p:spPr>
+          <a:xfrm>
+            <a:off x="8815736" y="3005370"/>
+            <a:ext cx="1957504" cy="1218968"/>
+          </a:xfrm>
+          <a:prstGeom prst="rect">
+            <a:avLst/>
+          </a:prstGeom>
+        </p:spPr>
+      </p:pic>
+      <p:pic>
+        <p:nvPicPr>
+          <p:cNvPr id="7" name="圖片 7">
+            <a:extLst>
+              <a:ext uri="{FF2B5EF4-FFF2-40B4-BE49-F238E27FC236}">
+                <a16:creationId xmlns:a16="http://schemas.microsoft.com/office/drawing/2014/main" id="{D3A95038-C1B9-59CE-8B7D-3B04C03FB53D}"/>
+              </a:ext>
+            </a:extLst>
+          </p:cNvPr>
+          <p:cNvPicPr>
+            <a:picLocks noChangeAspect="1"/>
+          </p:cNvPicPr>
+          <p:nvPr/>
+        </p:nvPicPr>
+        <p:blipFill>
+          <a:blip r:embed="rId5"/>
+          <a:stretch>
+            <a:fillRect/>
+          </a:stretch>
+        </p:blipFill>
+        <p:spPr>
+          <a:xfrm>
+            <a:off x="2735765" y="4580029"/>
+            <a:ext cx="2743200" cy="1805308"/>
+          </a:xfrm>
+          <a:prstGeom prst="rect">
+            <a:avLst/>
+          </a:prstGeom>
+        </p:spPr>
+      </p:pic>
+      <p:pic>
+        <p:nvPicPr>
+          <p:cNvPr id="8" name="圖片 8" descr="一張含有 桌 的圖片&#10;&#10;自動產生的描述">
+            <a:extLst>
+              <a:ext uri="{FF2B5EF4-FFF2-40B4-BE49-F238E27FC236}">
+                <a16:creationId xmlns:a16="http://schemas.microsoft.com/office/drawing/2014/main" id="{9CE74AB0-1834-AAEE-AEB3-B4E3E4A74DCA}"/>
+              </a:ext>
+            </a:extLst>
+          </p:cNvPr>
+          <p:cNvPicPr>
+            <a:picLocks noChangeAspect="1"/>
+          </p:cNvPicPr>
+          <p:nvPr/>
+        </p:nvPicPr>
+        <p:blipFill>
+          <a:blip r:embed="rId6"/>
+          <a:stretch>
+            <a:fillRect/>
+          </a:stretch>
+        </p:blipFill>
+        <p:spPr>
+          <a:xfrm>
+            <a:off x="6694449" y="4251433"/>
+            <a:ext cx="2743200" cy="2462500"/>
+          </a:xfrm>
+          <a:prstGeom prst="rect">
+            <a:avLst/>
+          </a:prstGeom>
+        </p:spPr>
+      </p:pic>
+    </p:spTree>
+    <p:extLst>
+      <p:ext uri="{BB962C8B-B14F-4D97-AF65-F5344CB8AC3E}">
+        <p14:creationId xmlns:p14="http://schemas.microsoft.com/office/powerpoint/2010/main" val="2102664309"/>
+      </p:ext>
+    </p:extLst>
+  </p:cSld>
+  <p:clrMapOvr>
+    <a:masterClrMapping/>
+  </p:clrMapOvr>
+</p:sld>
+</file>
+
+<file path=ppt/slides/slide5.xml><?xml version="1.0" encoding="utf-8"?>
+<p:sld xmlns:a="http://schemas.openxmlformats.org/drawingml/2006/main" xmlns:r="http://schemas.openxmlformats.org/officeDocument/2006/relationships" xmlns:p="http://schemas.openxmlformats.org/presentationml/2006/main">
+  <p:cSld>
+    <p:spTree>
+      <p:nvGrpSpPr>
+        <p:cNvPr id="1" name=""/>
+        <p:cNvGrpSpPr/>
+        <p:nvPr/>
+      </p:nvGrpSpPr>
+      <p:grpSpPr>
+        <a:xfrm>
+          <a:off x="0" y="0"/>
+          <a:ext cx="0" cy="0"/>
+          <a:chOff x="0" y="0"/>
+          <a:chExt cx="0" cy="0"/>
+        </a:xfrm>
+      </p:grpSpPr>
+      <p:sp>
+        <p:nvSpPr>
+          <p:cNvPr id="2" name="標題 1">
+            <a:extLst>
+              <a:ext uri="{FF2B5EF4-FFF2-40B4-BE49-F238E27FC236}">
+                <a16:creationId xmlns:a16="http://schemas.microsoft.com/office/drawing/2014/main" id="{6F264B9B-A878-C86D-7523-A8A0CE9D5FAF}"/>
+              </a:ext>
+            </a:extLst>
+          </p:cNvPr>
+          <p:cNvSpPr>
+            <a:spLocks noGrp="1"/>
+          </p:cNvSpPr>
+          <p:nvPr>
+            <p:ph type="title"/>
+          </p:nvPr>
+        </p:nvSpPr>
+        <p:spPr/>
+        <p:txBody>
+          <a:bodyPr/>
+          <a:lstStyle/>
+          <a:p>
+            <a:r>
+              <a:rPr lang="zh-TW" altLang="en-US">
+                <a:ea typeface="新細明體"/>
+                <a:cs typeface="Calibri Light"/>
+              </a:rPr>
+              <a:t>背景音樂、台詞及音效製作</a:t>
+            </a:r>
+            <a:endParaRPr lang="zh-TW" altLang="en-US"/>
+          </a:p>
+        </p:txBody>
+      </p:sp>
+      <p:sp>
+        <p:nvSpPr>
+          <p:cNvPr id="3" name="內容版面配置區 2">
+            <a:extLst>
+              <a:ext uri="{FF2B5EF4-FFF2-40B4-BE49-F238E27FC236}">
+                <a16:creationId xmlns:a16="http://schemas.microsoft.com/office/drawing/2014/main" id="{21354DCF-04AB-C712-D87C-87C79F048C68}"/>
+              </a:ext>
+            </a:extLst>
+          </p:cNvPr>
+          <p:cNvSpPr>
+            <a:spLocks noGrp="1"/>
+          </p:cNvSpPr>
+          <p:nvPr>
+            <p:ph idx="1"/>
+          </p:nvPr>
+        </p:nvSpPr>
+        <p:spPr/>
+        <p:txBody>
+          <a:bodyPr vert="horz" lIns="91440" tIns="45720" rIns="91440" bIns="45720" rtlCol="0" anchor="t">
+            <a:normAutofit/>
+          </a:bodyPr>
+          <a:lstStyle/>
+          <a:p>
+            <a:r>
+              <a:rPr lang="zh-TW" altLang="en-US">
+                <a:ea typeface="新細明體"/>
+                <a:cs typeface="Calibri"/>
+              </a:rPr>
+              <a:t>背景音樂:挑選莫、舒、巴、頓的音樂，並由組員親自演奏錄製</a:t>
+            </a:r>
+          </a:p>
+          <a:p>
+            <a:endParaRPr lang="zh-TW" altLang="en-US" dirty="0">
+              <a:ea typeface="新細明體"/>
+              <a:cs typeface="Calibri"/>
+            </a:endParaRPr>
+          </a:p>
+          <a:p>
+            <a:r>
+              <a:rPr lang="zh-TW" altLang="en-US">
+                <a:ea typeface="新細明體"/>
+                <a:cs typeface="Calibri"/>
+              </a:rPr>
+              <a:t>台詞:由組員獻聲錄製</a:t>
+            </a:r>
+            <a:endParaRPr lang="zh-TW" altLang="en-US" dirty="0">
+              <a:ea typeface="新細明體"/>
+              <a:cs typeface="Calibri"/>
+            </a:endParaRPr>
+          </a:p>
+          <a:p>
+            <a:endParaRPr lang="zh-TW" altLang="en-US" dirty="0">
+              <a:ea typeface="新細明體"/>
+              <a:cs typeface="Calibri"/>
+            </a:endParaRPr>
+          </a:p>
+          <a:p>
+            <a:r>
+              <a:rPr lang="zh-TW" altLang="en-US">
+                <a:ea typeface="新細明體"/>
+                <a:cs typeface="Calibri"/>
+              </a:rPr>
+              <a:t>音效:一樣由組員親自錄製</a:t>
+            </a:r>
+            <a:endParaRPr lang="zh-TW" altLang="en-US" dirty="0">
+              <a:ea typeface="新細明體"/>
+              <a:cs typeface="Calibri"/>
+            </a:endParaRPr>
+          </a:p>
+        </p:txBody>
+      </p:sp>
+    </p:spTree>
+    <p:extLst>
+      <p:ext uri="{BB962C8B-B14F-4D97-AF65-F5344CB8AC3E}">
+        <p14:creationId xmlns:p14="http://schemas.microsoft.com/office/powerpoint/2010/main" val="3736106716"/>
+      </p:ext>
+    </p:extLst>
+  </p:cSld>
+  <p:clrMapOvr>
+    <a:masterClrMapping/>
+  </p:clrMapOvr>
+</p:sld>
+</file>
+
+<file path=ppt/slides/slide6.xml><?xml version="1.0" encoding="utf-8"?>
+<p:sld xmlns:a="http://schemas.openxmlformats.org/drawingml/2006/main" xmlns:r="http://schemas.openxmlformats.org/officeDocument/2006/relationships" xmlns:p="http://schemas.openxmlformats.org/presentationml/2006/main">
+  <p:cSld>
+    <p:spTree>
+      <p:nvGrpSpPr>
+        <p:cNvPr id="1" name=""/>
+        <p:cNvGrpSpPr/>
+        <p:nvPr/>
+      </p:nvGrpSpPr>
+      <p:grpSpPr>
+        <a:xfrm>
+          <a:off x="0" y="0"/>
+          <a:ext cx="0" cy="0"/>
+          <a:chOff x="0" y="0"/>
+          <a:chExt cx="0" cy="0"/>
+        </a:xfrm>
+      </p:grpSpPr>
+      <p:sp>
+        <p:nvSpPr>
+          <p:cNvPr id="2" name="標題 1">
+            <a:extLst>
+              <a:ext uri="{FF2B5EF4-FFF2-40B4-BE49-F238E27FC236}">
+                <a16:creationId xmlns:a16="http://schemas.microsoft.com/office/drawing/2014/main" id="{5FB5276E-B2DB-EE35-A0BF-0818E5F3F000}"/>
+              </a:ext>
+            </a:extLst>
+          </p:cNvPr>
+          <p:cNvSpPr>
+            <a:spLocks noGrp="1"/>
+          </p:cNvSpPr>
+          <p:nvPr>
+            <p:ph type="title"/>
+          </p:nvPr>
+        </p:nvSpPr>
+        <p:spPr/>
+        <p:txBody>
+          <a:bodyPr/>
+          <a:lstStyle/>
+          <a:p>
+            <a:r>
+              <a:rPr lang="zh-TW" altLang="en-US">
+                <a:ea typeface="新細明體"/>
+                <a:cs typeface="Calibri Light"/>
+              </a:rPr>
+              <a:t>程式部分</a:t>
+            </a:r>
+            <a:endParaRPr lang="zh-TW" altLang="en-US"/>
+          </a:p>
+        </p:txBody>
+      </p:sp>
+      <p:sp>
+        <p:nvSpPr>
+          <p:cNvPr id="3" name="內容版面配置區 2">
+            <a:extLst>
+              <a:ext uri="{FF2B5EF4-FFF2-40B4-BE49-F238E27FC236}">
+                <a16:creationId xmlns:a16="http://schemas.microsoft.com/office/drawing/2014/main" id="{A9B68559-25A6-E231-9B33-08997AEAEDE2}"/>
+              </a:ext>
+            </a:extLst>
+          </p:cNvPr>
+          <p:cNvSpPr>
+            <a:spLocks noGrp="1"/>
+          </p:cNvSpPr>
+          <p:nvPr>
+            <p:ph idx="1"/>
+          </p:nvPr>
+        </p:nvSpPr>
+        <p:spPr/>
+        <p:txBody>
+          <a:bodyPr/>
+          <a:lstStyle/>
+          <a:p>
+            <a:endParaRPr lang="zh-TW" altLang="en-US"/>
+          </a:p>
+        </p:txBody>
+      </p:sp>
+    </p:spTree>
+    <p:extLst>
+      <p:ext uri="{BB962C8B-B14F-4D97-AF65-F5344CB8AC3E}">
+        <p14:creationId xmlns:p14="http://schemas.microsoft.com/office/powerpoint/2010/main" val="3043481779"/>
       </p:ext>
     </p:extLst>
   </p:cSld>

--- a/報告/第9組 - 簡報 - 莫舒巴頓.pptx
+++ b/報告/第9組 - 簡報 - 莫舒巴頓.pptx
@@ -120,7 +120,7 @@
 <file path=ppt/revisionInfo.xml><?xml version="1.0" encoding="utf-8"?>
 <p1510:revInfo xmlns:a="http://schemas.openxmlformats.org/drawingml/2006/main" xmlns:r="http://schemas.openxmlformats.org/officeDocument/2006/relationships" xmlns:p1510="http://schemas.microsoft.com/office/powerpoint/2015/10/main">
   <p1510:revLst>
-    <p1510:client id="{5F4D0EF9-7E92-4CDE-850E-02D153097F57}" v="373" dt="2022-06-07T13:36:58.536"/>
+    <p1510:client id="{5F4D0EF9-7E92-4CDE-850E-02D153097F57}" v="398" dt="2022-06-07T18:42:26.487"/>
   </p1510:revLst>
 </p1510:revInfo>
 </file>
@@ -146,7 +146,7 @@
   <pc:docChgLst>
     <pc:chgData name="黃 存謙" userId="13f9e1a9b1b74094" providerId="Windows Live" clId="Web-{5F4D0EF9-7E92-4CDE-850E-02D153097F57}"/>
     <pc:docChg chg="addSld delSld modSld">
-      <pc:chgData name="黃 存謙" userId="13f9e1a9b1b74094" providerId="Windows Live" clId="Web-{5F4D0EF9-7E92-4CDE-850E-02D153097F57}" dt="2022-06-07T13:36:58.536" v="369" actId="20577"/>
+      <pc:chgData name="黃 存謙" userId="13f9e1a9b1b74094" providerId="Windows Live" clId="Web-{5F4D0EF9-7E92-4CDE-850E-02D153097F57}" dt="2022-06-07T18:42:26.487" v="391" actId="1076"/>
       <pc:docMkLst>
         <pc:docMk/>
       </pc:docMkLst>
@@ -173,8 +173,8 @@
           </ac:spMkLst>
         </pc:spChg>
       </pc:sldChg>
-      <pc:sldChg chg="modSp new">
-        <pc:chgData name="黃 存謙" userId="13f9e1a9b1b74094" providerId="Windows Live" clId="Web-{5F4D0EF9-7E92-4CDE-850E-02D153097F57}" dt="2022-06-07T12:04:01.571" v="53" actId="20577"/>
+      <pc:sldChg chg="addSp delSp modSp new">
+        <pc:chgData name="黃 存謙" userId="13f9e1a9b1b74094" providerId="Windows Live" clId="Web-{5F4D0EF9-7E92-4CDE-850E-02D153097F57}" dt="2022-06-07T18:42:02.596" v="386"/>
         <pc:sldMkLst>
           <pc:docMk/>
           <pc:sldMk cId="3955470007" sldId="257"/>
@@ -195,6 +195,14 @@
             <ac:spMk id="3" creationId="{CD73E602-D37D-9092-BD35-8ADF900CBD7D}"/>
           </ac:spMkLst>
         </pc:spChg>
+        <pc:picChg chg="add del mod">
+          <ac:chgData name="黃 存謙" userId="13f9e1a9b1b74094" providerId="Windows Live" clId="Web-{5F4D0EF9-7E92-4CDE-850E-02D153097F57}" dt="2022-06-07T18:42:02.596" v="386"/>
+          <ac:picMkLst>
+            <pc:docMk/>
+            <pc:sldMk cId="3955470007" sldId="257"/>
+            <ac:picMk id="4" creationId="{24108C16-1A8F-2076-C698-E5B1B0E17861}"/>
+          </ac:picMkLst>
+        </pc:picChg>
       </pc:sldChg>
       <pc:sldChg chg="new del">
         <pc:chgData name="黃 存謙" userId="13f9e1a9b1b74094" providerId="Windows Live" clId="Web-{5F4D0EF9-7E92-4CDE-850E-02D153097F57}" dt="2022-06-07T12:04:35.103" v="55"/>
@@ -226,8 +234,8 @@
           </ac:spMkLst>
         </pc:spChg>
       </pc:sldChg>
-      <pc:sldChg chg="addSp modSp new">
-        <pc:chgData name="黃 存謙" userId="13f9e1a9b1b74094" providerId="Windows Live" clId="Web-{5F4D0EF9-7E92-4CDE-850E-02D153097F57}" dt="2022-06-07T12:16:50.492" v="263" actId="1076"/>
+      <pc:sldChg chg="addSp delSp modSp new">
+        <pc:chgData name="黃 存謙" userId="13f9e1a9b1b74094" providerId="Windows Live" clId="Web-{5F4D0EF9-7E92-4CDE-850E-02D153097F57}" dt="2022-06-07T18:42:26.487" v="391" actId="1076"/>
         <pc:sldMkLst>
           <pc:docMk/>
           <pc:sldMk cId="2102664309" sldId="259"/>
@@ -248,6 +256,14 @@
             <ac:spMk id="3" creationId="{D2FB706B-68DD-AA2B-AE71-E84A6038AC39}"/>
           </ac:spMkLst>
         </pc:spChg>
+        <pc:spChg chg="add del mod">
+          <ac:chgData name="黃 存謙" userId="13f9e1a9b1b74094" providerId="Windows Live" clId="Web-{5F4D0EF9-7E92-4CDE-850E-02D153097F57}" dt="2022-06-07T18:34:06.332" v="373"/>
+          <ac:spMkLst>
+            <pc:docMk/>
+            <pc:sldMk cId="2102664309" sldId="259"/>
+            <ac:spMk id="9" creationId="{9E73C926-AC9F-0381-43FE-4F612BAA6E38}"/>
+          </ac:spMkLst>
+        </pc:spChg>
         <pc:picChg chg="add mod">
           <ac:chgData name="黃 存謙" userId="13f9e1a9b1b74094" providerId="Windows Live" clId="Web-{5F4D0EF9-7E92-4CDE-850E-02D153097F57}" dt="2022-06-07T12:16:27.570" v="258" actId="1076"/>
           <ac:picMkLst>
@@ -257,7 +273,7 @@
           </ac:picMkLst>
         </pc:picChg>
         <pc:picChg chg="add mod">
-          <ac:chgData name="黃 存謙" userId="13f9e1a9b1b74094" providerId="Windows Live" clId="Web-{5F4D0EF9-7E92-4CDE-850E-02D153097F57}" dt="2022-06-07T12:16:24.570" v="257" actId="1076"/>
+          <ac:chgData name="黃 存謙" userId="13f9e1a9b1b74094" providerId="Windows Live" clId="Web-{5F4D0EF9-7E92-4CDE-850E-02D153097F57}" dt="2022-06-07T18:35:37.193" v="378" actId="1076"/>
           <ac:picMkLst>
             <pc:docMk/>
             <pc:sldMk cId="2102664309" sldId="259"/>
@@ -265,7 +281,7 @@
           </ac:picMkLst>
         </pc:picChg>
         <pc:picChg chg="add mod">
-          <ac:chgData name="黃 存謙" userId="13f9e1a9b1b74094" providerId="Windows Live" clId="Web-{5F4D0EF9-7E92-4CDE-850E-02D153097F57}" dt="2022-06-07T12:16:21.476" v="256" actId="1076"/>
+          <ac:chgData name="黃 存謙" userId="13f9e1a9b1b74094" providerId="Windows Live" clId="Web-{5F4D0EF9-7E92-4CDE-850E-02D153097F57}" dt="2022-06-07T18:35:35.396" v="377" actId="1076"/>
           <ac:picMkLst>
             <pc:docMk/>
             <pc:sldMk cId="2102664309" sldId="259"/>
@@ -273,7 +289,7 @@
           </ac:picMkLst>
         </pc:picChg>
         <pc:picChg chg="add mod">
-          <ac:chgData name="黃 存謙" userId="13f9e1a9b1b74094" providerId="Windows Live" clId="Web-{5F4D0EF9-7E92-4CDE-850E-02D153097F57}" dt="2022-06-07T12:16:48.430" v="262" actId="1076"/>
+          <ac:chgData name="黃 存謙" userId="13f9e1a9b1b74094" providerId="Windows Live" clId="Web-{5F4D0EF9-7E92-4CDE-850E-02D153097F57}" dt="2022-06-07T18:35:50.131" v="381" actId="1076"/>
           <ac:picMkLst>
             <pc:docMk/>
             <pc:sldMk cId="2102664309" sldId="259"/>
@@ -281,11 +297,27 @@
           </ac:picMkLst>
         </pc:picChg>
         <pc:picChg chg="add mod">
-          <ac:chgData name="黃 存謙" userId="13f9e1a9b1b74094" providerId="Windows Live" clId="Web-{5F4D0EF9-7E92-4CDE-850E-02D153097F57}" dt="2022-06-07T12:16:50.492" v="263" actId="1076"/>
+          <ac:chgData name="黃 存謙" userId="13f9e1a9b1b74094" providerId="Windows Live" clId="Web-{5F4D0EF9-7E92-4CDE-850E-02D153097F57}" dt="2022-06-07T18:35:56.287" v="382" actId="1076"/>
           <ac:picMkLst>
             <pc:docMk/>
             <pc:sldMk cId="2102664309" sldId="259"/>
             <ac:picMk id="8" creationId="{9CE74AB0-1834-AAEE-AEB3-B4E3E4A74DCA}"/>
+          </ac:picMkLst>
+        </pc:picChg>
+        <pc:picChg chg="add mod">
+          <ac:chgData name="黃 存謙" userId="13f9e1a9b1b74094" providerId="Windows Live" clId="Web-{5F4D0EF9-7E92-4CDE-850E-02D153097F57}" dt="2022-06-07T18:36:02.772" v="383" actId="1076"/>
+          <ac:picMkLst>
+            <pc:docMk/>
+            <pc:sldMk cId="2102664309" sldId="259"/>
+            <ac:picMk id="10" creationId="{13E5D171-3FC6-98A1-5430-F84AB2DA42B8}"/>
+          </ac:picMkLst>
+        </pc:picChg>
+        <pc:picChg chg="add mod">
+          <ac:chgData name="黃 存謙" userId="13f9e1a9b1b74094" providerId="Windows Live" clId="Web-{5F4D0EF9-7E92-4CDE-850E-02D153097F57}" dt="2022-06-07T18:42:26.487" v="391" actId="1076"/>
+          <ac:picMkLst>
+            <pc:docMk/>
+            <pc:sldMk cId="2102664309" sldId="259"/>
+            <ac:picMk id="11" creationId="{C09A853B-B205-E504-2B47-F4F8804CB84F}"/>
           </ac:picMkLst>
         </pc:picChg>
       </pc:sldChg>
@@ -3734,13 +3766,13 @@
           <a:lstStyle/>
           <a:p>
             <a:r>
-              <a:rPr lang="en-US" altLang="zh-TW" dirty="0">
+              <a:rPr lang="en-US" altLang="zh-TW">
                 <a:ea typeface="+mn-lt"/>
                 <a:cs typeface="+mn-lt"/>
               </a:rPr>
               <a:t>Mosche Barton</a:t>
             </a:r>
-            <a:endParaRPr lang="zh-TW" dirty="0"/>
+            <a:endParaRPr lang="zh-TW"/>
           </a:p>
         </p:txBody>
       </p:sp>
@@ -3872,10 +3904,6 @@
               </a:rPr>
               <a:t>為打怪類型的遊戲</a:t>
             </a:r>
-            <a:endParaRPr lang="zh-TW" altLang="en-US" dirty="0">
-              <a:ea typeface="新細明體"/>
-              <a:cs typeface="Calibri"/>
-            </a:endParaRPr>
           </a:p>
         </p:txBody>
       </p:sp>
@@ -3983,7 +4011,7 @@
               <a:t>用</a:t>
             </a:r>
             <a:r>
-              <a:rPr lang="en-US" altLang="zh-TW" dirty="0">
+              <a:rPr lang="en-US" altLang="zh-TW">
                 <a:ea typeface="+mn-lt"/>
                 <a:cs typeface="+mn-lt"/>
               </a:rPr>
@@ -3999,7 +4027,7 @@
             </a:r>
           </a:p>
           <a:p>
-            <a:endParaRPr lang="zh-TW" dirty="0">
+            <a:endParaRPr lang="zh-TW">
               <a:latin typeface="PMingLiU"/>
               <a:ea typeface="PMingLiU"/>
               <a:cs typeface="Calibri"/>
@@ -4059,7 +4087,7 @@
         </p:blipFill>
         <p:spPr>
           <a:xfrm>
-            <a:off x="5021766" y="2839209"/>
+            <a:off x="5021766" y="2718404"/>
             <a:ext cx="2148468" cy="1300387"/>
           </a:xfrm>
           <a:prstGeom prst="rect">
@@ -4089,7 +4117,7 @@
         </p:blipFill>
         <p:spPr>
           <a:xfrm>
-            <a:off x="8815736" y="3005370"/>
+            <a:off x="8806443" y="2782346"/>
             <a:ext cx="1957504" cy="1218968"/>
           </a:xfrm>
           <a:prstGeom prst="rect">
@@ -4119,7 +4147,7 @@
         </p:blipFill>
         <p:spPr>
           <a:xfrm>
-            <a:off x="2735765" y="4580029"/>
+            <a:off x="4724399" y="4580029"/>
             <a:ext cx="2743200" cy="1805308"/>
           </a:xfrm>
           <a:prstGeom prst="rect">
@@ -4149,8 +4177,68 @@
         </p:blipFill>
         <p:spPr>
           <a:xfrm>
-            <a:off x="6694449" y="4251433"/>
+            <a:off x="8404302" y="4167799"/>
             <a:ext cx="2743200" cy="2462500"/>
+          </a:xfrm>
+          <a:prstGeom prst="rect">
+            <a:avLst/>
+          </a:prstGeom>
+        </p:spPr>
+      </p:pic>
+      <p:pic>
+        <p:nvPicPr>
+          <p:cNvPr id="10" name="圖片 10" descr="一張含有 箭 的圖片&#10;&#10;自動產生的描述">
+            <a:extLst>
+              <a:ext uri="{FF2B5EF4-FFF2-40B4-BE49-F238E27FC236}">
+                <a16:creationId xmlns:a16="http://schemas.microsoft.com/office/drawing/2014/main" id="{13E5D171-3FC6-98A1-5430-F84AB2DA42B8}"/>
+              </a:ext>
+            </a:extLst>
+          </p:cNvPr>
+          <p:cNvPicPr>
+            <a:picLocks noChangeAspect="1"/>
+          </p:cNvPicPr>
+          <p:nvPr/>
+        </p:nvPicPr>
+        <p:blipFill>
+          <a:blip r:embed="rId7"/>
+          <a:stretch>
+            <a:fillRect/>
+          </a:stretch>
+        </p:blipFill>
+        <p:spPr>
+          <a:xfrm>
+            <a:off x="2072268" y="4252795"/>
+            <a:ext cx="1338147" cy="2413310"/>
+          </a:xfrm>
+          <a:prstGeom prst="rect">
+            <a:avLst/>
+          </a:prstGeom>
+        </p:spPr>
+      </p:pic>
+      <p:pic>
+        <p:nvPicPr>
+          <p:cNvPr id="11" name="圖片 11" descr="一張含有 個人, 室內, 人, 擺姿勢 的圖片&#10;&#10;自動產生的描述">
+            <a:extLst>
+              <a:ext uri="{FF2B5EF4-FFF2-40B4-BE49-F238E27FC236}">
+                <a16:creationId xmlns:a16="http://schemas.microsoft.com/office/drawing/2014/main" id="{C09A853B-B205-E504-2B47-F4F8804CB84F}"/>
+              </a:ext>
+            </a:extLst>
+          </p:cNvPr>
+          <p:cNvPicPr>
+            <a:picLocks noChangeAspect="1"/>
+          </p:cNvPicPr>
+          <p:nvPr/>
+        </p:nvPicPr>
+        <p:blipFill>
+          <a:blip r:embed="rId8"/>
+          <a:stretch>
+            <a:fillRect/>
+          </a:stretch>
+        </p:blipFill>
+        <p:spPr>
+          <a:xfrm>
+            <a:off x="4575717" y="886989"/>
+            <a:ext cx="1758176" cy="893024"/>
           </a:xfrm>
           <a:prstGeom prst="rect">
             <a:avLst/>
@@ -4251,7 +4339,7 @@
             </a:r>
           </a:p>
           <a:p>
-            <a:endParaRPr lang="zh-TW" altLang="en-US" dirty="0">
+            <a:endParaRPr lang="zh-TW" altLang="en-US">
               <a:ea typeface="新細明體"/>
               <a:cs typeface="Calibri"/>
             </a:endParaRPr>
@@ -4264,13 +4352,9 @@
               </a:rPr>
               <a:t>台詞:由組員獻聲錄製</a:t>
             </a:r>
-            <a:endParaRPr lang="zh-TW" altLang="en-US" dirty="0">
-              <a:ea typeface="新細明體"/>
-              <a:cs typeface="Calibri"/>
-            </a:endParaRPr>
-          </a:p>
-          <a:p>
-            <a:endParaRPr lang="zh-TW" altLang="en-US" dirty="0">
+          </a:p>
+          <a:p>
+            <a:endParaRPr lang="zh-TW" altLang="en-US">
               <a:ea typeface="新細明體"/>
               <a:cs typeface="Calibri"/>
             </a:endParaRPr>
@@ -4283,10 +4367,6 @@
               </a:rPr>
               <a:t>音效:一樣由組員親自錄製</a:t>
             </a:r>
-            <a:endParaRPr lang="zh-TW" altLang="en-US" dirty="0">
-              <a:ea typeface="新細明體"/>
-              <a:cs typeface="Calibri"/>
-            </a:endParaRPr>
           </a:p>
         </p:txBody>
       </p:sp>

--- a/報告/第9組 - 簡報 - 莫舒巴頓.pptx
+++ b/報告/第9組 - 簡報 - 莫舒巴頓.pptx
@@ -10,7 +10,6 @@
     <p:sldId id="258" r:id="rId4"/>
     <p:sldId id="259" r:id="rId5"/>
     <p:sldId id="260" r:id="rId6"/>
-    <p:sldId id="261" r:id="rId7"/>
   </p:sldIdLst>
   <p:sldSz cx="12192000" cy="6858000"/>
   <p:notesSz cx="6858000" cy="9144000"/>
@@ -120,7 +119,7 @@
 <file path=ppt/revisionInfo.xml><?xml version="1.0" encoding="utf-8"?>
 <p1510:revInfo xmlns:a="http://schemas.openxmlformats.org/drawingml/2006/main" xmlns:r="http://schemas.openxmlformats.org/officeDocument/2006/relationships" xmlns:p1510="http://schemas.microsoft.com/office/powerpoint/2015/10/main">
   <p1510:revLst>
-    <p1510:client id="{5F4D0EF9-7E92-4CDE-850E-02D153097F57}" v="398" dt="2022-06-07T18:42:26.487"/>
+    <p1510:client id="{5F4D0EF9-7E92-4CDE-850E-02D153097F57}" v="399" dt="2022-06-07T20:06:37.282"/>
   </p1510:revLst>
 </p1510:revInfo>
 </file>
@@ -146,7 +145,7 @@
   <pc:docChgLst>
     <pc:chgData name="黃 存謙" userId="13f9e1a9b1b74094" providerId="Windows Live" clId="Web-{5F4D0EF9-7E92-4CDE-850E-02D153097F57}"/>
     <pc:docChg chg="addSld delSld modSld">
-      <pc:chgData name="黃 存謙" userId="13f9e1a9b1b74094" providerId="Windows Live" clId="Web-{5F4D0EF9-7E92-4CDE-850E-02D153097F57}" dt="2022-06-07T18:42:26.487" v="391" actId="1076"/>
+      <pc:chgData name="黃 存謙" userId="13f9e1a9b1b74094" providerId="Windows Live" clId="Web-{5F4D0EF9-7E92-4CDE-850E-02D153097F57}" dt="2022-06-07T20:06:37.282" v="392"/>
       <pc:docMkLst>
         <pc:docMk/>
       </pc:docMkLst>
@@ -344,8 +343,8 @@
           </ac:spMkLst>
         </pc:spChg>
       </pc:sldChg>
-      <pc:sldChg chg="modSp new">
-        <pc:chgData name="黃 存謙" userId="13f9e1a9b1b74094" providerId="Windows Live" clId="Web-{5F4D0EF9-7E92-4CDE-850E-02D153097F57}" dt="2022-06-07T13:36:58.536" v="369" actId="20577"/>
+      <pc:sldChg chg="modSp new del">
+        <pc:chgData name="黃 存謙" userId="13f9e1a9b1b74094" providerId="Windows Live" clId="Web-{5F4D0EF9-7E92-4CDE-850E-02D153097F57}" dt="2022-06-07T20:06:37.282" v="392"/>
         <pc:sldMkLst>
           <pc:docMk/>
           <pc:sldMk cId="3043481779" sldId="261"/>
@@ -4383,93 +4382,6 @@
 </p:sld>
 </file>
 
-<file path=ppt/slides/slide6.xml><?xml version="1.0" encoding="utf-8"?>
-<p:sld xmlns:a="http://schemas.openxmlformats.org/drawingml/2006/main" xmlns:r="http://schemas.openxmlformats.org/officeDocument/2006/relationships" xmlns:p="http://schemas.openxmlformats.org/presentationml/2006/main">
-  <p:cSld>
-    <p:spTree>
-      <p:nvGrpSpPr>
-        <p:cNvPr id="1" name=""/>
-        <p:cNvGrpSpPr/>
-        <p:nvPr/>
-      </p:nvGrpSpPr>
-      <p:grpSpPr>
-        <a:xfrm>
-          <a:off x="0" y="0"/>
-          <a:ext cx="0" cy="0"/>
-          <a:chOff x="0" y="0"/>
-          <a:chExt cx="0" cy="0"/>
-        </a:xfrm>
-      </p:grpSpPr>
-      <p:sp>
-        <p:nvSpPr>
-          <p:cNvPr id="2" name="標題 1">
-            <a:extLst>
-              <a:ext uri="{FF2B5EF4-FFF2-40B4-BE49-F238E27FC236}">
-                <a16:creationId xmlns:a16="http://schemas.microsoft.com/office/drawing/2014/main" id="{5FB5276E-B2DB-EE35-A0BF-0818E5F3F000}"/>
-              </a:ext>
-            </a:extLst>
-          </p:cNvPr>
-          <p:cNvSpPr>
-            <a:spLocks noGrp="1"/>
-          </p:cNvSpPr>
-          <p:nvPr>
-            <p:ph type="title"/>
-          </p:nvPr>
-        </p:nvSpPr>
-        <p:spPr/>
-        <p:txBody>
-          <a:bodyPr/>
-          <a:lstStyle/>
-          <a:p>
-            <a:r>
-              <a:rPr lang="zh-TW" altLang="en-US">
-                <a:ea typeface="新細明體"/>
-                <a:cs typeface="Calibri Light"/>
-              </a:rPr>
-              <a:t>程式部分</a:t>
-            </a:r>
-            <a:endParaRPr lang="zh-TW" altLang="en-US"/>
-          </a:p>
-        </p:txBody>
-      </p:sp>
-      <p:sp>
-        <p:nvSpPr>
-          <p:cNvPr id="3" name="內容版面配置區 2">
-            <a:extLst>
-              <a:ext uri="{FF2B5EF4-FFF2-40B4-BE49-F238E27FC236}">
-                <a16:creationId xmlns:a16="http://schemas.microsoft.com/office/drawing/2014/main" id="{A9B68559-25A6-E231-9B33-08997AEAEDE2}"/>
-              </a:ext>
-            </a:extLst>
-          </p:cNvPr>
-          <p:cNvSpPr>
-            <a:spLocks noGrp="1"/>
-          </p:cNvSpPr>
-          <p:nvPr>
-            <p:ph idx="1"/>
-          </p:nvPr>
-        </p:nvSpPr>
-        <p:spPr/>
-        <p:txBody>
-          <a:bodyPr/>
-          <a:lstStyle/>
-          <a:p>
-            <a:endParaRPr lang="zh-TW" altLang="en-US"/>
-          </a:p>
-        </p:txBody>
-      </p:sp>
-    </p:spTree>
-    <p:extLst>
-      <p:ext uri="{BB962C8B-B14F-4D97-AF65-F5344CB8AC3E}">
-        <p14:creationId xmlns:p14="http://schemas.microsoft.com/office/powerpoint/2010/main" val="3043481779"/>
-      </p:ext>
-    </p:extLst>
-  </p:cSld>
-  <p:clrMapOvr>
-    <a:masterClrMapping/>
-  </p:clrMapOvr>
-</p:sld>
-</file>
-
 <file path=ppt/theme/theme1.xml><?xml version="1.0" encoding="utf-8"?>
 <a:theme xmlns:a="http://schemas.openxmlformats.org/drawingml/2006/main" name="Office 佈景主題">
   <a:themeElements>
